--- a/文档/2019211899+李鑫+毕设答辩.pptx
+++ b/文档/2019211899+李鑫+毕设答辩.pptx
@@ -6073,8 +6073,8 @@
         </p:nvSpPr>
         <p:spPr>
           <a:xfrm>
-            <a:off x="2718927" y="1742196"/>
-            <a:ext cx="6754146" cy="1568450"/>
+            <a:off x="2068195" y="1742440"/>
+            <a:ext cx="8054975" cy="1568450"/>
           </a:xfrm>
           <a:prstGeom prst="rect">
             <a:avLst/>
@@ -9394,7 +9394,37 @@
                 <a:cs typeface="+mn-ea"/>
                 <a:sym typeface="+mn-lt"/>
               </a:rPr>
-              <a:t>随着时代的发展，各个地区对于坏境的要求愈来愈高，对于绿植的需求也越来越大，苗木产业也因此逐渐兴起。目前苗木来源大体分为两种，一种由大规模集中式的苗圃提供，其次则是散落在各个乡镇中个人栽种的苗木，然而这种途径通常是通过寻苗工人的在村落中挨家挨户找寻到的。信息分散，交易不明确，存在很多的不安定因素，导致传统的苗木移栽产业的发展渐渐跟不上时代的步伐。</a:t>
+              <a:t>随着时代的发展，各个地区对于坏境的要求愈来愈高，对于绿植的需求也越来越大，苗木产业也因此逐渐兴起。</a:t>
+            </a:r>
+            <a:endParaRPr sz="1400" dirty="0" smtClean="0">
+              <a:solidFill>
+                <a:schemeClr val="tx1">
+                  <a:lumMod val="75000"/>
+                  <a:lumOff val="25000"/>
+                </a:schemeClr>
+              </a:solidFill>
+              <a:cs typeface="+mn-ea"/>
+              <a:sym typeface="+mn-lt"/>
+            </a:endParaRPr>
+          </a:p>
+          <a:p>
+            <a:pPr indent="457200" algn="l">
+              <a:lnSpc>
+                <a:spcPct val="150000"/>
+              </a:lnSpc>
+            </a:pPr>
+            <a:r>
+              <a:rPr sz="1400" dirty="0" smtClean="0">
+                <a:solidFill>
+                  <a:schemeClr val="tx1">
+                    <a:lumMod val="75000"/>
+                    <a:lumOff val="25000"/>
+                  </a:schemeClr>
+                </a:solidFill>
+                <a:cs typeface="+mn-ea"/>
+                <a:sym typeface="+mn-lt"/>
+              </a:rPr>
+              <a:t>目前苗木来源大体分为两种，一种由大规模集中式的苗圃提供，其次则是散落在各个乡镇中个人栽种的苗木，然而这种途径通常是通过寻苗工人的在村落中挨家挨户找寻到的。信息分散，交易不明确，存在很多的不安定因素，导致传统的苗木移栽产业的发展渐渐跟不上时代的步伐。</a:t>
             </a:r>
             <a:endParaRPr sz="1400" dirty="0" smtClean="0">
               <a:solidFill>
@@ -10640,7 +10670,20 @@
                 <a:cs typeface="+mn-ea"/>
                 <a:sym typeface="+mn-lt"/>
               </a:rPr>
-              <a:t>第二，节省人员成本</a:t>
+              <a:t>第二，节省雇佣劳动工带来</a:t>
+            </a:r>
+            <a:r>
+              <a:rPr lang="zh-CN" altLang="en-US" sz="1400" dirty="0" smtClean="0">
+                <a:solidFill>
+                  <a:schemeClr val="tx1">
+                    <a:lumMod val="85000"/>
+                    <a:lumOff val="15000"/>
+                  </a:schemeClr>
+                </a:solidFill>
+                <a:cs typeface="+mn-ea"/>
+                <a:sym typeface="+mn-lt"/>
+              </a:rPr>
+              <a:t>的成本</a:t>
             </a:r>
             <a:endParaRPr lang="zh-CN" altLang="en-US" sz="1400" dirty="0" smtClean="0">
               <a:solidFill>
@@ -11632,7 +11675,23 @@
                 <a:cs typeface="+mn-ea"/>
                 <a:sym typeface="+mn-lt"/>
               </a:rPr>
-              <a:t>种苗木用户</a:t>
+              <a:t>种植苗木</a:t>
+            </a:r>
+            <a:r>
+              <a:rPr lang="zh-CN" altLang="en-US" sz="1600" dirty="0">
+                <a:solidFill>
+                  <a:schemeClr val="tx1">
+                    <a:lumMod val="85000"/>
+                    <a:lumOff val="15000"/>
+                  </a:schemeClr>
+                </a:solidFill>
+                <a:effectLst/>
+                <a:latin typeface="+mn-lt"/>
+                <a:ea typeface="+mn-ea"/>
+                <a:cs typeface="+mn-ea"/>
+                <a:sym typeface="+mn-lt"/>
+              </a:rPr>
+              <a:t>用户</a:t>
             </a:r>
             <a:endParaRPr lang="zh-CN" altLang="en-US" sz="1600" dirty="0">
               <a:solidFill>
@@ -11833,7 +11892,7 @@
                 <a:cs typeface="+mn-ea"/>
                 <a:sym typeface="+mn-lt"/>
               </a:rPr>
-              <a:t>收苗木用户</a:t>
+              <a:t>收购苗木用户</a:t>
             </a:r>
             <a:endParaRPr lang="zh-CN" altLang="en-US" sz="1600" dirty="0">
               <a:effectLst/>
@@ -12083,7 +12142,7 @@
                 <a:cs typeface="+mn-ea"/>
                 <a:sym typeface="+mn-lt"/>
               </a:rPr>
-              <a:t>种苗木用户</a:t>
+              <a:t>种植苗木用户</a:t>
             </a:r>
             <a:endParaRPr lang="zh-CN" altLang="en-US" dirty="0">
               <a:solidFill>
@@ -12147,7 +12206,17 @@
                 <a:cs typeface="+mn-ea"/>
                 <a:sym typeface="+mn-lt"/>
               </a:rPr>
-              <a:t>收苗木用户</a:t>
+              <a:t>收</a:t>
+            </a:r>
+            <a:r>
+              <a:rPr lang="zh-CN" altLang="en-US" dirty="0">
+                <a:solidFill>
+                  <a:schemeClr val="bg1"/>
+                </a:solidFill>
+                <a:cs typeface="+mn-ea"/>
+                <a:sym typeface="+mn-lt"/>
+              </a:rPr>
+              <a:t>购苗木用户</a:t>
             </a:r>
             <a:endParaRPr lang="zh-CN" altLang="en-US" dirty="0">
               <a:solidFill>
@@ -12563,7 +12632,7 @@
         </p:blipFill>
         <p:spPr>
           <a:xfrm>
-            <a:off x="3132455" y="1761490"/>
+            <a:off x="3132455" y="1579245"/>
             <a:ext cx="6023610" cy="5003165"/>
           </a:xfrm>
           <a:prstGeom prst="rect">

--- a/文档/2019211899+李鑫+毕设答辩.pptx
+++ b/文档/2019211899+李鑫+毕设答辩.pptx
@@ -16,16 +16,17 @@
     <p:sldId id="260" r:id="rId9"/>
     <p:sldId id="268" r:id="rId10"/>
     <p:sldId id="278" r:id="rId11"/>
-    <p:sldId id="271" r:id="rId12"/>
-    <p:sldId id="261" r:id="rId13"/>
-    <p:sldId id="282" r:id="rId14"/>
-    <p:sldId id="283" r:id="rId15"/>
-    <p:sldId id="274" r:id="rId16"/>
+    <p:sldId id="285" r:id="rId12"/>
+    <p:sldId id="271" r:id="rId13"/>
+    <p:sldId id="261" r:id="rId14"/>
+    <p:sldId id="282" r:id="rId15"/>
+    <p:sldId id="283" r:id="rId16"/>
+    <p:sldId id="274" r:id="rId17"/>
   </p:sldIdLst>
   <p:sldSz cx="12192000" cy="6858000"/>
   <p:notesSz cx="6858000" cy="9144000"/>
   <p:custDataLst>
-    <p:tags r:id="rId20"/>
+    <p:tags r:id="rId21"/>
   </p:custDataLst>
   <p:defaultTextStyle>
     <a:defPPr>
@@ -801,6 +802,84 @@
 </file>
 
 <file path=ppt/notesSlides/notesSlide13.xml><?xml version="1.0" encoding="utf-8"?>
+<p:notes xmlns:a="http://schemas.openxmlformats.org/drawingml/2006/main" xmlns:r="http://schemas.openxmlformats.org/officeDocument/2006/relationships" xmlns:p="http://schemas.openxmlformats.org/presentationml/2006/main">
+  <p:cSld>
+    <p:spTree>
+      <p:nvGrpSpPr>
+        <p:cNvPr id="1" name=""/>
+        <p:cNvGrpSpPr/>
+        <p:nvPr/>
+      </p:nvGrpSpPr>
+      <p:grpSpPr>
+        <a:xfrm>
+          <a:off x="0" y="0"/>
+          <a:ext cx="0" cy="0"/>
+          <a:chOff x="0" y="0"/>
+          <a:chExt cx="0" cy="0"/>
+        </a:xfrm>
+      </p:grpSpPr>
+      <p:sp>
+        <p:nvSpPr>
+          <p:cNvPr id="2" name="幻灯片图像占位符 1"/>
+          <p:cNvSpPr>
+            <a:spLocks noGrp="1" noRot="1" noChangeAspect="1"/>
+          </p:cNvSpPr>
+          <p:nvPr>
+            <p:ph type="sldImg"/>
+          </p:nvPr>
+        </p:nvSpPr>
+        <p:spPr/>
+      </p:sp>
+      <p:sp>
+        <p:nvSpPr>
+          <p:cNvPr id="3" name="备注占位符 2"/>
+          <p:cNvSpPr>
+            <a:spLocks noGrp="1"/>
+          </p:cNvSpPr>
+          <p:nvPr>
+            <p:ph type="body" idx="1"/>
+          </p:nvPr>
+        </p:nvSpPr>
+        <p:spPr/>
+        <p:txBody>
+          <a:bodyPr/>
+          <a:lstStyle/>
+          <a:p>
+            <a:endParaRPr lang="zh-CN" altLang="en-US"/>
+          </a:p>
+        </p:txBody>
+      </p:sp>
+      <p:sp>
+        <p:nvSpPr>
+          <p:cNvPr id="4" name="灯片编号占位符 3"/>
+          <p:cNvSpPr>
+            <a:spLocks noGrp="1"/>
+          </p:cNvSpPr>
+          <p:nvPr>
+            <p:ph type="sldNum" sz="quarter" idx="10"/>
+          </p:nvPr>
+        </p:nvSpPr>
+        <p:spPr/>
+        <p:txBody>
+          <a:bodyPr/>
+          <a:lstStyle/>
+          <a:p>
+            <a:fld id="{B9BCC932-0C1F-4C94-8B9A-3944ABBB4E30}" type="slidenum">
+              <a:rPr lang="zh-CN" altLang="en-US" smtClean="0"/>
+            </a:fld>
+            <a:endParaRPr lang="zh-CN" altLang="en-US"/>
+          </a:p>
+        </p:txBody>
+      </p:sp>
+    </p:spTree>
+  </p:cSld>
+  <p:clrMapOvr>
+    <a:masterClrMapping/>
+  </p:clrMapOvr>
+</p:notes>
+</file>
+
+<file path=ppt/notesSlides/notesSlide14.xml><?xml version="1.0" encoding="utf-8"?>
 <p:notes xmlns:a="http://schemas.openxmlformats.org/drawingml/2006/main" xmlns:r="http://schemas.openxmlformats.org/officeDocument/2006/relationships" xmlns:p="http://schemas.openxmlformats.org/presentationml/2006/main">
   <p:cSld>
     <p:spTree>
@@ -6303,215 +6382,50 @@
       </p:grpSpPr>
       <p:sp>
         <p:nvSpPr>
-          <p:cNvPr id="4" name="矩形 3"/>
-          <p:cNvSpPr/>
+          <p:cNvPr id="4" name="文本框 3"/>
+          <p:cNvSpPr txBox="1"/>
           <p:nvPr/>
         </p:nvSpPr>
         <p:spPr>
           <a:xfrm>
-            <a:off x="245805" y="294968"/>
-            <a:ext cx="1961536" cy="1696064"/>
+            <a:off x="904875" y="410210"/>
+            <a:ext cx="2538730" cy="679450"/>
           </a:xfrm>
           <a:prstGeom prst="rect">
             <a:avLst/>
           </a:prstGeom>
-          <a:solidFill>
-            <a:srgbClr val="1C4885"/>
-          </a:solidFill>
-          <a:ln>
-            <a:noFill/>
-          </a:ln>
-        </p:spPr>
-        <p:style>
-          <a:lnRef idx="2">
-            <a:schemeClr val="accent1">
-              <a:shade val="50000"/>
-            </a:schemeClr>
-          </a:lnRef>
-          <a:fillRef idx="1">
-            <a:schemeClr val="accent1"/>
-          </a:fillRef>
-          <a:effectRef idx="0">
-            <a:schemeClr val="accent1"/>
-          </a:effectRef>
-          <a:fontRef idx="minor">
-            <a:schemeClr val="lt1"/>
-          </a:fontRef>
-        </p:style>
-        <p:txBody>
-          <a:bodyPr rtlCol="0" anchor="ctr"/>
-          <a:lstStyle/>
-          <a:p>
-            <a:pPr algn="ctr"/>
-            <a:endParaRPr lang="zh-CN" altLang="en-US">
-              <a:cs typeface="+mn-ea"/>
-              <a:sym typeface="+mn-lt"/>
-            </a:endParaRPr>
-          </a:p>
-        </p:txBody>
-      </p:sp>
-      <p:sp>
-        <p:nvSpPr>
-          <p:cNvPr id="5" name="矩形 4"/>
-          <p:cNvSpPr/>
-          <p:nvPr/>
-        </p:nvSpPr>
-        <p:spPr>
-          <a:xfrm>
-            <a:off x="9984658" y="4866967"/>
-            <a:ext cx="1961536" cy="1696064"/>
-          </a:xfrm>
-          <a:prstGeom prst="rect">
-            <a:avLst/>
-          </a:prstGeom>
-          <a:solidFill>
-            <a:srgbClr val="1C4885"/>
-          </a:solidFill>
-          <a:ln>
-            <a:noFill/>
-          </a:ln>
-        </p:spPr>
-        <p:style>
-          <a:lnRef idx="2">
-            <a:schemeClr val="accent1">
-              <a:shade val="50000"/>
-            </a:schemeClr>
-          </a:lnRef>
-          <a:fillRef idx="1">
-            <a:schemeClr val="accent1"/>
-          </a:fillRef>
-          <a:effectRef idx="0">
-            <a:schemeClr val="accent1"/>
-          </a:effectRef>
-          <a:fontRef idx="minor">
-            <a:schemeClr val="lt1"/>
-          </a:fontRef>
-        </p:style>
-        <p:txBody>
-          <a:bodyPr rtlCol="0" anchor="ctr"/>
-          <a:lstStyle/>
-          <a:p>
-            <a:pPr algn="ctr"/>
-            <a:endParaRPr lang="zh-CN" altLang="en-US">
-              <a:cs typeface="+mn-ea"/>
-              <a:sym typeface="+mn-lt"/>
-            </a:endParaRPr>
-          </a:p>
-        </p:txBody>
-      </p:sp>
-      <p:sp>
-        <p:nvSpPr>
-          <p:cNvPr id="6" name="圆角矩形 5"/>
-          <p:cNvSpPr/>
-          <p:nvPr/>
-        </p:nvSpPr>
-        <p:spPr>
-          <a:xfrm>
-            <a:off x="403122" y="449825"/>
-            <a:ext cx="11385755" cy="5958349"/>
-          </a:xfrm>
-          <a:prstGeom prst="roundRect">
-            <a:avLst>
-              <a:gd name="adj" fmla="val 1568"/>
-            </a:avLst>
-          </a:prstGeom>
-          <a:solidFill>
-            <a:schemeClr val="bg1"/>
-          </a:solidFill>
-          <a:ln>
-            <a:noFill/>
-          </a:ln>
-          <a:effectLst>
-            <a:glow rad="228600">
-              <a:srgbClr val="02615A">
-                <a:alpha val="30000"/>
-              </a:srgbClr>
-            </a:glow>
-          </a:effectLst>
-        </p:spPr>
-        <p:style>
-          <a:lnRef idx="2">
-            <a:schemeClr val="accent1">
-              <a:shade val="50000"/>
-            </a:schemeClr>
-          </a:lnRef>
-          <a:fillRef idx="1">
-            <a:schemeClr val="accent1"/>
-          </a:fillRef>
-          <a:effectRef idx="0">
-            <a:schemeClr val="accent1"/>
-          </a:effectRef>
-          <a:fontRef idx="minor">
-            <a:schemeClr val="lt1"/>
-          </a:fontRef>
-        </p:style>
-        <p:txBody>
-          <a:bodyPr rtlCol="0" anchor="ctr"/>
-          <a:lstStyle/>
-          <a:p>
-            <a:pPr algn="ctr"/>
-            <a:endParaRPr lang="zh-CN" altLang="en-US">
-              <a:cs typeface="+mn-ea"/>
-              <a:sym typeface="+mn-lt"/>
-            </a:endParaRPr>
-          </a:p>
-        </p:txBody>
-      </p:sp>
-      <p:sp>
-        <p:nvSpPr>
-          <p:cNvPr id="7" name="椭圆 6"/>
-          <p:cNvSpPr/>
-          <p:nvPr/>
-        </p:nvSpPr>
-        <p:spPr>
-          <a:xfrm>
-            <a:off x="1887301" y="2420811"/>
-            <a:ext cx="1592179" cy="1592179"/>
-          </a:xfrm>
-          <a:prstGeom prst="ellipse">
-            <a:avLst/>
-          </a:prstGeom>
-          <a:solidFill>
-            <a:srgbClr val="1C4885"/>
-          </a:solidFill>
-          <a:ln>
-            <a:noFill/>
-          </a:ln>
-        </p:spPr>
-        <p:style>
-          <a:lnRef idx="2">
-            <a:schemeClr val="accent1">
-              <a:shade val="50000"/>
-            </a:schemeClr>
-          </a:lnRef>
-          <a:fillRef idx="1">
-            <a:schemeClr val="accent1"/>
-          </a:fillRef>
-          <a:effectRef idx="0">
-            <a:schemeClr val="accent1"/>
-          </a:effectRef>
-          <a:fontRef idx="minor">
-            <a:schemeClr val="lt1"/>
-          </a:fontRef>
-        </p:style>
-        <p:txBody>
-          <a:bodyPr rtlCol="0" anchor="ctr"/>
-          <a:lstStyle/>
-          <a:p>
-            <a:pPr algn="ctr"/>
-            <a:r>
-              <a:rPr lang="en-US" altLang="zh-CN" sz="13800" b="1" dirty="0">
-                <a:solidFill>
-                  <a:schemeClr val="bg1"/>
+          <a:noFill/>
+        </p:spPr>
+        <p:txBody>
+          <a:bodyPr wrap="square" rtlCol="0">
+            <a:noAutofit/>
+          </a:bodyPr>
+          <a:lstStyle/>
+          <a:p>
+            <a:pPr>
+              <a:lnSpc>
+                <a:spcPct val="120000"/>
+              </a:lnSpc>
+            </a:pPr>
+            <a:r>
+              <a:rPr lang="zh-CN" altLang="en-US" sz="2800" dirty="0">
+                <a:solidFill>
+                  <a:schemeClr val="tx1">
+                    <a:lumMod val="85000"/>
+                    <a:lumOff val="15000"/>
+                  </a:schemeClr>
                 </a:solidFill>
                 <a:cs typeface="+mn-ea"/>
                 <a:sym typeface="+mn-lt"/>
               </a:rPr>
-              <a:t>3</a:t>
-            </a:r>
-            <a:endParaRPr lang="en-US" altLang="zh-CN" sz="13800" b="1" dirty="0">
+              <a:t>研究内容</a:t>
+            </a:r>
+            <a:endParaRPr lang="zh-CN" altLang="en-US" sz="2800" dirty="0">
               <a:solidFill>
-                <a:schemeClr val="bg1"/>
+                <a:schemeClr val="tx1">
+                  <a:lumMod val="85000"/>
+                  <a:lumOff val="15000"/>
+                </a:schemeClr>
               </a:solidFill>
               <a:cs typeface="+mn-ea"/>
               <a:sym typeface="+mn-lt"/>
@@ -6519,78 +6433,23 @@
           </a:p>
         </p:txBody>
       </p:sp>
-      <p:sp>
-        <p:nvSpPr>
-          <p:cNvPr id="8" name="文本框 7"/>
-          <p:cNvSpPr txBox="1"/>
-          <p:nvPr/>
-        </p:nvSpPr>
-        <p:spPr>
-          <a:xfrm>
-            <a:off x="4476985" y="2420811"/>
-            <a:ext cx="5760360" cy="768350"/>
-          </a:xfrm>
-          <a:prstGeom prst="rect">
-            <a:avLst/>
-          </a:prstGeom>
-          <a:noFill/>
-        </p:spPr>
-        <p:txBody>
-          <a:bodyPr wrap="square" rtlCol="0">
-            <a:spAutoFit/>
-          </a:bodyPr>
-          <a:lstStyle/>
-          <a:p>
-            <a:pPr algn="l"/>
-            <a:r>
-              <a:rPr lang="zh-CN" altLang="en-US" sz="4400" dirty="0">
-                <a:solidFill>
-                  <a:srgbClr val="1C4885"/>
-                </a:solidFill>
-                <a:cs typeface="+mn-ea"/>
-                <a:sym typeface="+mn-lt"/>
-              </a:rPr>
-              <a:t>功能</a:t>
-            </a:r>
-            <a:r>
-              <a:rPr lang="zh-CN" altLang="en-US" sz="4400" dirty="0">
-                <a:solidFill>
-                  <a:srgbClr val="1C4885"/>
-                </a:solidFill>
-                <a:cs typeface="+mn-ea"/>
-                <a:sym typeface="+mn-lt"/>
-              </a:rPr>
-              <a:t>演示</a:t>
-            </a:r>
-            <a:endParaRPr lang="zh-CN" altLang="en-US" sz="4400" dirty="0">
-              <a:solidFill>
-                <a:srgbClr val="1C4885"/>
-              </a:solidFill>
-              <a:cs typeface="+mn-ea"/>
-              <a:sym typeface="+mn-lt"/>
-            </a:endParaRPr>
-          </a:p>
-        </p:txBody>
-      </p:sp>
       <p:cxnSp>
         <p:nvCxnSpPr>
-          <p:cNvPr id="9" name="直接连接符 8"/>
+          <p:cNvPr id="6" name="直接连接符 5"/>
           <p:cNvCxnSpPr/>
           <p:nvPr/>
         </p:nvCxnSpPr>
         <p:spPr>
           <a:xfrm>
-            <a:off x="4663554" y="3428999"/>
-            <a:ext cx="1112406" cy="0"/>
+            <a:off x="796413" y="457203"/>
+            <a:ext cx="0" cy="632244"/>
           </a:xfrm>
           <a:prstGeom prst="line">
             <a:avLst/>
           </a:prstGeom>
-          <a:ln w="25400">
+          <a:ln w="76200">
             <a:solidFill>
-              <a:schemeClr val="bg1">
-                <a:lumMod val="50000"/>
-              </a:schemeClr>
+              <a:srgbClr val="1C4885"/>
             </a:solidFill>
           </a:ln>
         </p:spPr>
@@ -6609,6 +6468,67 @@
           </a:fontRef>
         </p:style>
       </p:cxnSp>
+      <p:pic>
+        <p:nvPicPr>
+          <p:cNvPr id="3" name="图片 2"/>
+          <p:cNvPicPr>
+            <a:picLocks noChangeAspect="1"/>
+          </p:cNvPicPr>
+          <p:nvPr>
+            <p:custDataLst>
+              <p:tags r:id="rId1"/>
+            </p:custDataLst>
+          </p:nvPr>
+        </p:nvPicPr>
+        <p:blipFill>
+          <a:blip r:embed="rId2"/>
+          <a:stretch>
+            <a:fillRect/>
+          </a:stretch>
+        </p:blipFill>
+        <p:spPr>
+          <a:xfrm>
+            <a:off x="3132455" y="1579245"/>
+            <a:ext cx="6023610" cy="5003165"/>
+          </a:xfrm>
+          <a:prstGeom prst="rect">
+            <a:avLst/>
+          </a:prstGeom>
+        </p:spPr>
+      </p:pic>
+      <p:sp>
+        <p:nvSpPr>
+          <p:cNvPr id="5" name="文本框 4"/>
+          <p:cNvSpPr txBox="1"/>
+          <p:nvPr/>
+        </p:nvSpPr>
+        <p:spPr>
+          <a:xfrm>
+            <a:off x="904875" y="1318895"/>
+            <a:ext cx="4064000" cy="368300"/>
+          </a:xfrm>
+          <a:prstGeom prst="rect">
+            <a:avLst/>
+          </a:prstGeom>
+          <a:noFill/>
+        </p:spPr>
+        <p:txBody>
+          <a:bodyPr wrap="square" rtlCol="0">
+            <a:spAutoFit/>
+          </a:bodyPr>
+          <a:p>
+            <a:r>
+              <a:rPr lang="zh-CN" altLang="en-US"/>
+              <a:t>系统架构图</a:t>
+            </a:r>
+            <a:r>
+              <a:rPr lang="zh-CN" altLang="en-US"/>
+              <a:t>如下：</a:t>
+            </a:r>
+            <a:endParaRPr lang="zh-CN" altLang="en-US"/>
+          </a:p>
+        </p:txBody>
+      </p:sp>
     </p:spTree>
   </p:cSld>
   <p:clrMapOvr>
@@ -6848,7 +6768,7 @@
                 <a:cs typeface="+mn-ea"/>
                 <a:sym typeface="+mn-lt"/>
               </a:rPr>
-              <a:t>4</a:t>
+              <a:t>3</a:t>
             </a:r>
             <a:endParaRPr lang="en-US" altLang="zh-CN" sz="13800" b="1" dirty="0">
               <a:solidFill>
@@ -6891,7 +6811,17 @@
                 <a:cs typeface="+mn-ea"/>
                 <a:sym typeface="+mn-lt"/>
               </a:rPr>
-              <a:t>总结</a:t>
+              <a:t>功能</a:t>
+            </a:r>
+            <a:r>
+              <a:rPr lang="zh-CN" altLang="en-US" sz="4400" dirty="0">
+                <a:solidFill>
+                  <a:srgbClr val="1C4885"/>
+                </a:solidFill>
+                <a:cs typeface="+mn-ea"/>
+                <a:sym typeface="+mn-lt"/>
+              </a:rPr>
+              <a:t>演示</a:t>
             </a:r>
             <a:endParaRPr lang="zh-CN" altLang="en-US" sz="4400" dirty="0">
               <a:solidFill>
@@ -6975,14 +6905,232 @@
       </p:grpSpPr>
       <p:sp>
         <p:nvSpPr>
-          <p:cNvPr id="4" name="文本框 3"/>
+          <p:cNvPr id="4" name="矩形 3"/>
+          <p:cNvSpPr/>
+          <p:nvPr/>
+        </p:nvSpPr>
+        <p:spPr>
+          <a:xfrm>
+            <a:off x="245805" y="294968"/>
+            <a:ext cx="1961536" cy="1696064"/>
+          </a:xfrm>
+          <a:prstGeom prst="rect">
+            <a:avLst/>
+          </a:prstGeom>
+          <a:solidFill>
+            <a:srgbClr val="1C4885"/>
+          </a:solidFill>
+          <a:ln>
+            <a:noFill/>
+          </a:ln>
+        </p:spPr>
+        <p:style>
+          <a:lnRef idx="2">
+            <a:schemeClr val="accent1">
+              <a:shade val="50000"/>
+            </a:schemeClr>
+          </a:lnRef>
+          <a:fillRef idx="1">
+            <a:schemeClr val="accent1"/>
+          </a:fillRef>
+          <a:effectRef idx="0">
+            <a:schemeClr val="accent1"/>
+          </a:effectRef>
+          <a:fontRef idx="minor">
+            <a:schemeClr val="lt1"/>
+          </a:fontRef>
+        </p:style>
+        <p:txBody>
+          <a:bodyPr rtlCol="0" anchor="ctr"/>
+          <a:lstStyle/>
+          <a:p>
+            <a:pPr algn="ctr"/>
+            <a:endParaRPr lang="zh-CN" altLang="en-US">
+              <a:cs typeface="+mn-ea"/>
+              <a:sym typeface="+mn-lt"/>
+            </a:endParaRPr>
+          </a:p>
+        </p:txBody>
+      </p:sp>
+      <p:sp>
+        <p:nvSpPr>
+          <p:cNvPr id="5" name="矩形 4"/>
+          <p:cNvSpPr/>
+          <p:nvPr/>
+        </p:nvSpPr>
+        <p:spPr>
+          <a:xfrm>
+            <a:off x="9984658" y="4866967"/>
+            <a:ext cx="1961536" cy="1696064"/>
+          </a:xfrm>
+          <a:prstGeom prst="rect">
+            <a:avLst/>
+          </a:prstGeom>
+          <a:solidFill>
+            <a:srgbClr val="1C4885"/>
+          </a:solidFill>
+          <a:ln>
+            <a:noFill/>
+          </a:ln>
+        </p:spPr>
+        <p:style>
+          <a:lnRef idx="2">
+            <a:schemeClr val="accent1">
+              <a:shade val="50000"/>
+            </a:schemeClr>
+          </a:lnRef>
+          <a:fillRef idx="1">
+            <a:schemeClr val="accent1"/>
+          </a:fillRef>
+          <a:effectRef idx="0">
+            <a:schemeClr val="accent1"/>
+          </a:effectRef>
+          <a:fontRef idx="minor">
+            <a:schemeClr val="lt1"/>
+          </a:fontRef>
+        </p:style>
+        <p:txBody>
+          <a:bodyPr rtlCol="0" anchor="ctr"/>
+          <a:lstStyle/>
+          <a:p>
+            <a:pPr algn="ctr"/>
+            <a:endParaRPr lang="zh-CN" altLang="en-US">
+              <a:cs typeface="+mn-ea"/>
+              <a:sym typeface="+mn-lt"/>
+            </a:endParaRPr>
+          </a:p>
+        </p:txBody>
+      </p:sp>
+      <p:sp>
+        <p:nvSpPr>
+          <p:cNvPr id="6" name="圆角矩形 5"/>
+          <p:cNvSpPr/>
+          <p:nvPr/>
+        </p:nvSpPr>
+        <p:spPr>
+          <a:xfrm>
+            <a:off x="403122" y="449825"/>
+            <a:ext cx="11385755" cy="5958349"/>
+          </a:xfrm>
+          <a:prstGeom prst="roundRect">
+            <a:avLst>
+              <a:gd name="adj" fmla="val 1568"/>
+            </a:avLst>
+          </a:prstGeom>
+          <a:solidFill>
+            <a:schemeClr val="bg1"/>
+          </a:solidFill>
+          <a:ln>
+            <a:noFill/>
+          </a:ln>
+          <a:effectLst>
+            <a:glow rad="228600">
+              <a:srgbClr val="02615A">
+                <a:alpha val="30000"/>
+              </a:srgbClr>
+            </a:glow>
+          </a:effectLst>
+        </p:spPr>
+        <p:style>
+          <a:lnRef idx="2">
+            <a:schemeClr val="accent1">
+              <a:shade val="50000"/>
+            </a:schemeClr>
+          </a:lnRef>
+          <a:fillRef idx="1">
+            <a:schemeClr val="accent1"/>
+          </a:fillRef>
+          <a:effectRef idx="0">
+            <a:schemeClr val="accent1"/>
+          </a:effectRef>
+          <a:fontRef idx="minor">
+            <a:schemeClr val="lt1"/>
+          </a:fontRef>
+        </p:style>
+        <p:txBody>
+          <a:bodyPr rtlCol="0" anchor="ctr"/>
+          <a:lstStyle/>
+          <a:p>
+            <a:pPr algn="ctr"/>
+            <a:endParaRPr lang="zh-CN" altLang="en-US">
+              <a:cs typeface="+mn-ea"/>
+              <a:sym typeface="+mn-lt"/>
+            </a:endParaRPr>
+          </a:p>
+        </p:txBody>
+      </p:sp>
+      <p:sp>
+        <p:nvSpPr>
+          <p:cNvPr id="7" name="椭圆 6"/>
+          <p:cNvSpPr/>
+          <p:nvPr/>
+        </p:nvSpPr>
+        <p:spPr>
+          <a:xfrm>
+            <a:off x="1887301" y="2420811"/>
+            <a:ext cx="1592179" cy="1592179"/>
+          </a:xfrm>
+          <a:prstGeom prst="ellipse">
+            <a:avLst/>
+          </a:prstGeom>
+          <a:solidFill>
+            <a:srgbClr val="1C4885"/>
+          </a:solidFill>
+          <a:ln>
+            <a:noFill/>
+          </a:ln>
+        </p:spPr>
+        <p:style>
+          <a:lnRef idx="2">
+            <a:schemeClr val="accent1">
+              <a:shade val="50000"/>
+            </a:schemeClr>
+          </a:lnRef>
+          <a:fillRef idx="1">
+            <a:schemeClr val="accent1"/>
+          </a:fillRef>
+          <a:effectRef idx="0">
+            <a:schemeClr val="accent1"/>
+          </a:effectRef>
+          <a:fontRef idx="minor">
+            <a:schemeClr val="lt1"/>
+          </a:fontRef>
+        </p:style>
+        <p:txBody>
+          <a:bodyPr rtlCol="0" anchor="ctr"/>
+          <a:lstStyle/>
+          <a:p>
+            <a:pPr algn="ctr"/>
+            <a:r>
+              <a:rPr lang="en-US" altLang="zh-CN" sz="13800" b="1" dirty="0">
+                <a:solidFill>
+                  <a:schemeClr val="bg1"/>
+                </a:solidFill>
+                <a:cs typeface="+mn-ea"/>
+                <a:sym typeface="+mn-lt"/>
+              </a:rPr>
+              <a:t>4</a:t>
+            </a:r>
+            <a:endParaRPr lang="en-US" altLang="zh-CN" sz="13800" b="1" dirty="0">
+              <a:solidFill>
+                <a:schemeClr val="bg1"/>
+              </a:solidFill>
+              <a:cs typeface="+mn-ea"/>
+              <a:sym typeface="+mn-lt"/>
+            </a:endParaRPr>
+          </a:p>
+        </p:txBody>
+      </p:sp>
+      <p:sp>
+        <p:nvSpPr>
+          <p:cNvPr id="8" name="文本框 7"/>
           <p:cNvSpPr txBox="1"/>
           <p:nvPr/>
         </p:nvSpPr>
         <p:spPr>
           <a:xfrm>
-            <a:off x="904875" y="410210"/>
-            <a:ext cx="2538730" cy="679450"/>
+            <a:off x="4476985" y="2420811"/>
+            <a:ext cx="5760360" cy="768350"/>
           </a:xfrm>
           <a:prstGeom prst="rect">
             <a:avLst/>
@@ -6991,34 +7139,24 @@
         </p:spPr>
         <p:txBody>
           <a:bodyPr wrap="square" rtlCol="0">
-            <a:noAutofit/>
+            <a:spAutoFit/>
           </a:bodyPr>
           <a:lstStyle/>
           <a:p>
-            <a:pPr>
-              <a:lnSpc>
-                <a:spcPct val="120000"/>
-              </a:lnSpc>
-            </a:pPr>
-            <a:r>
-              <a:rPr lang="zh-CN" altLang="en-US" sz="2800" dirty="0">
-                <a:solidFill>
-                  <a:schemeClr val="tx1">
-                    <a:lumMod val="85000"/>
-                    <a:lumOff val="15000"/>
-                  </a:schemeClr>
+            <a:pPr algn="l"/>
+            <a:r>
+              <a:rPr lang="zh-CN" altLang="en-US" sz="4400" dirty="0">
+                <a:solidFill>
+                  <a:srgbClr val="1C4885"/>
                 </a:solidFill>
                 <a:cs typeface="+mn-ea"/>
                 <a:sym typeface="+mn-lt"/>
               </a:rPr>
               <a:t>总结</a:t>
             </a:r>
-            <a:endParaRPr lang="zh-CN" altLang="en-US" sz="2800" dirty="0">
+            <a:endParaRPr lang="zh-CN" altLang="en-US" sz="4400" dirty="0">
               <a:solidFill>
-                <a:schemeClr val="tx1">
-                  <a:lumMod val="85000"/>
-                  <a:lumOff val="15000"/>
-                </a:schemeClr>
+                <a:srgbClr val="1C4885"/>
               </a:solidFill>
               <a:cs typeface="+mn-ea"/>
               <a:sym typeface="+mn-lt"/>
@@ -7028,21 +7166,23 @@
       </p:sp>
       <p:cxnSp>
         <p:nvCxnSpPr>
-          <p:cNvPr id="6" name="直接连接符 5"/>
+          <p:cNvPr id="9" name="直接连接符 8"/>
           <p:cNvCxnSpPr/>
           <p:nvPr/>
         </p:nvCxnSpPr>
         <p:spPr>
           <a:xfrm>
-            <a:off x="796413" y="457203"/>
-            <a:ext cx="0" cy="632244"/>
+            <a:off x="4663554" y="3428999"/>
+            <a:ext cx="1112406" cy="0"/>
           </a:xfrm>
           <a:prstGeom prst="line">
             <a:avLst/>
           </a:prstGeom>
-          <a:ln w="76200">
+          <a:ln w="25400">
             <a:solidFill>
-              <a:srgbClr val="1C4885"/>
+              <a:schemeClr val="bg1">
+                <a:lumMod val="50000"/>
+              </a:schemeClr>
             </a:solidFill>
           </a:ln>
         </p:spPr>
@@ -7061,148 +7201,6 @@
           </a:fontRef>
         </p:style>
       </p:cxnSp>
-      <p:sp>
-        <p:nvSpPr>
-          <p:cNvPr id="7" name="文本框 6"/>
-          <p:cNvSpPr txBox="1"/>
-          <p:nvPr/>
-        </p:nvSpPr>
-        <p:spPr>
-          <a:xfrm>
-            <a:off x="904875" y="2614295"/>
-            <a:ext cx="9175115" cy="2733675"/>
-          </a:xfrm>
-          <a:prstGeom prst="rect">
-            <a:avLst/>
-          </a:prstGeom>
-          <a:noFill/>
-        </p:spPr>
-        <p:txBody>
-          <a:bodyPr wrap="square" rtlCol="0">
-            <a:noAutofit/>
-          </a:bodyPr>
-          <a:p>
-            <a:pPr marL="342900" indent="-342900">
-              <a:lnSpc>
-                <a:spcPct val="150000"/>
-              </a:lnSpc>
-              <a:buFont typeface="Wingdings" panose="05000000000000000000" charset="0"/>
-              <a:buChar char="Ø"/>
-            </a:pPr>
-            <a:r>
-              <a:rPr lang="zh-CN" altLang="en-US" sz="1600"/>
-              <a:t>需求确定:先确定使用对象，随后分析他们会用本系统做什么，使用本系统的步骤是什么，有哪些类可以支撑本系统，有哪些不同的提示会反馈给用户。</a:t>
-            </a:r>
-            <a:endParaRPr lang="zh-CN" altLang="en-US" sz="1600"/>
-          </a:p>
-          <a:p>
-            <a:pPr marL="342900" indent="-342900">
-              <a:lnSpc>
-                <a:spcPct val="150000"/>
-              </a:lnSpc>
-              <a:buFont typeface="Wingdings" panose="05000000000000000000" charset="0"/>
-              <a:buChar char="Ø"/>
-            </a:pPr>
-            <a:r>
-              <a:rPr lang="zh-CN" altLang="en-US" sz="1600"/>
-              <a:t>数据库建表:根据需求,建表，明确字段，根据数据库确定实体类。</a:t>
-            </a:r>
-            <a:endParaRPr lang="zh-CN" altLang="en-US" sz="1600"/>
-          </a:p>
-          <a:p>
-            <a:pPr marL="342900" indent="-342900">
-              <a:lnSpc>
-                <a:spcPct val="150000"/>
-              </a:lnSpc>
-              <a:buFont typeface="Wingdings" panose="05000000000000000000" charset="0"/>
-              <a:buChar char="Ø"/>
-            </a:pPr>
-            <a:r>
-              <a:rPr lang="zh-CN" altLang="en-US" sz="1600"/>
-              <a:t>接口开发:根据需求分析，运用相关接口。</a:t>
-            </a:r>
-            <a:endParaRPr lang="zh-CN" altLang="en-US" sz="1600"/>
-          </a:p>
-          <a:p>
-            <a:pPr marL="342900" indent="-342900">
-              <a:lnSpc>
-                <a:spcPct val="150000"/>
-              </a:lnSpc>
-              <a:buFont typeface="Wingdings" panose="05000000000000000000" charset="0"/>
-              <a:buChar char="Ø"/>
-            </a:pPr>
-            <a:r>
-              <a:rPr lang="zh-CN" altLang="en-US" sz="1600"/>
-              <a:t>前端页面设计:设计系统的界面风格，完成前端展示。</a:t>
-            </a:r>
-            <a:endParaRPr lang="zh-CN" altLang="en-US" sz="1600"/>
-          </a:p>
-          <a:p>
-            <a:pPr marL="342900" indent="-342900">
-              <a:lnSpc>
-                <a:spcPct val="150000"/>
-              </a:lnSpc>
-              <a:buFont typeface="Wingdings" panose="05000000000000000000" charset="0"/>
-              <a:buChar char="Ø"/>
-            </a:pPr>
-            <a:r>
-              <a:rPr lang="zh-CN" altLang="en-US" sz="1600"/>
-              <a:t>文档撰写:根据整个系统的设计过程,完成文档的撰写。</a:t>
-            </a:r>
-            <a:endParaRPr lang="zh-CN" altLang="en-US" sz="1600"/>
-          </a:p>
-          <a:p>
-            <a:pPr marL="342900" indent="-342900">
-              <a:lnSpc>
-                <a:spcPct val="150000"/>
-              </a:lnSpc>
-              <a:buFont typeface="Wingdings" panose="05000000000000000000" charset="0"/>
-              <a:buChar char="Ø"/>
-            </a:pPr>
-            <a:r>
-              <a:rPr lang="zh-CN" altLang="en-US" sz="1600">
-                <a:sym typeface="+mn-ea"/>
-              </a:rPr>
-              <a:t>测试:运用黑白盒测试对系统的稳定性以及功能进行测试。</a:t>
-            </a:r>
-            <a:endParaRPr lang="zh-CN" altLang="en-US" sz="1600"/>
-          </a:p>
-        </p:txBody>
-      </p:sp>
-      <p:sp>
-        <p:nvSpPr>
-          <p:cNvPr id="8" name="文本框 7"/>
-          <p:cNvSpPr txBox="1"/>
-          <p:nvPr/>
-        </p:nvSpPr>
-        <p:spPr>
-          <a:xfrm>
-            <a:off x="961390" y="1628775"/>
-            <a:ext cx="8334375" cy="445770"/>
-          </a:xfrm>
-          <a:prstGeom prst="rect">
-            <a:avLst/>
-          </a:prstGeom>
-          <a:noFill/>
-        </p:spPr>
-        <p:txBody>
-          <a:bodyPr wrap="square" rtlCol="0">
-            <a:noAutofit/>
-          </a:bodyPr>
-          <a:p>
-            <a:r>
-              <a:rPr lang="zh-CN" altLang="en-US" b="1">
-                <a:sym typeface="+mn-ea"/>
-              </a:rPr>
-              <a:t>需求确定-框架设计---数据库建表-接口开发---前端页面设计---测试--文档撰写</a:t>
-            </a:r>
-            <a:endParaRPr lang="zh-CN" altLang="en-US" b="1"/>
-          </a:p>
-          <a:p>
-            <a:endParaRPr lang="zh-CN" altLang="en-US" b="1"/>
-          </a:p>
-        </p:txBody>
-      </p:sp>
     </p:spTree>
   </p:cSld>
   <p:clrMapOvr>
@@ -7220,6 +7218,269 @@
 </file>
 
 <file path=ppt/slides/slide13.xml><?xml version="1.0" encoding="utf-8"?>
+<p:sld xmlns:a="http://schemas.openxmlformats.org/drawingml/2006/main" xmlns:r="http://schemas.openxmlformats.org/officeDocument/2006/relationships" xmlns:p="http://schemas.openxmlformats.org/presentationml/2006/main">
+  <p:cSld>
+    <p:spTree>
+      <p:nvGrpSpPr>
+        <p:cNvPr id="1" name=""/>
+        <p:cNvGrpSpPr/>
+        <p:nvPr/>
+      </p:nvGrpSpPr>
+      <p:grpSpPr>
+        <a:xfrm>
+          <a:off x="0" y="0"/>
+          <a:ext cx="0" cy="0"/>
+          <a:chOff x="0" y="0"/>
+          <a:chExt cx="0" cy="0"/>
+        </a:xfrm>
+      </p:grpSpPr>
+      <p:sp>
+        <p:nvSpPr>
+          <p:cNvPr id="4" name="文本框 3"/>
+          <p:cNvSpPr txBox="1"/>
+          <p:nvPr/>
+        </p:nvSpPr>
+        <p:spPr>
+          <a:xfrm>
+            <a:off x="904875" y="410210"/>
+            <a:ext cx="2538730" cy="679450"/>
+          </a:xfrm>
+          <a:prstGeom prst="rect">
+            <a:avLst/>
+          </a:prstGeom>
+          <a:noFill/>
+        </p:spPr>
+        <p:txBody>
+          <a:bodyPr wrap="square" rtlCol="0">
+            <a:noAutofit/>
+          </a:bodyPr>
+          <a:lstStyle/>
+          <a:p>
+            <a:pPr>
+              <a:lnSpc>
+                <a:spcPct val="120000"/>
+              </a:lnSpc>
+            </a:pPr>
+            <a:r>
+              <a:rPr lang="zh-CN" altLang="en-US" sz="2800" dirty="0">
+                <a:solidFill>
+                  <a:schemeClr val="tx1">
+                    <a:lumMod val="85000"/>
+                    <a:lumOff val="15000"/>
+                  </a:schemeClr>
+                </a:solidFill>
+                <a:cs typeface="+mn-ea"/>
+                <a:sym typeface="+mn-lt"/>
+              </a:rPr>
+              <a:t>总结</a:t>
+            </a:r>
+            <a:endParaRPr lang="zh-CN" altLang="en-US" sz="2800" dirty="0">
+              <a:solidFill>
+                <a:schemeClr val="tx1">
+                  <a:lumMod val="85000"/>
+                  <a:lumOff val="15000"/>
+                </a:schemeClr>
+              </a:solidFill>
+              <a:cs typeface="+mn-ea"/>
+              <a:sym typeface="+mn-lt"/>
+            </a:endParaRPr>
+          </a:p>
+        </p:txBody>
+      </p:sp>
+      <p:cxnSp>
+        <p:nvCxnSpPr>
+          <p:cNvPr id="6" name="直接连接符 5"/>
+          <p:cNvCxnSpPr/>
+          <p:nvPr/>
+        </p:nvCxnSpPr>
+        <p:spPr>
+          <a:xfrm>
+            <a:off x="796413" y="457203"/>
+            <a:ext cx="0" cy="632244"/>
+          </a:xfrm>
+          <a:prstGeom prst="line">
+            <a:avLst/>
+          </a:prstGeom>
+          <a:ln w="76200">
+            <a:solidFill>
+              <a:srgbClr val="1C4885"/>
+            </a:solidFill>
+          </a:ln>
+        </p:spPr>
+        <p:style>
+          <a:lnRef idx="1">
+            <a:schemeClr val="accent1"/>
+          </a:lnRef>
+          <a:fillRef idx="0">
+            <a:schemeClr val="accent1"/>
+          </a:fillRef>
+          <a:effectRef idx="0">
+            <a:schemeClr val="accent1"/>
+          </a:effectRef>
+          <a:fontRef idx="minor">
+            <a:schemeClr val="tx1"/>
+          </a:fontRef>
+        </p:style>
+      </p:cxnSp>
+      <p:sp>
+        <p:nvSpPr>
+          <p:cNvPr id="7" name="文本框 6"/>
+          <p:cNvSpPr txBox="1"/>
+          <p:nvPr/>
+        </p:nvSpPr>
+        <p:spPr>
+          <a:xfrm>
+            <a:off x="904875" y="2614295"/>
+            <a:ext cx="9175115" cy="2733675"/>
+          </a:xfrm>
+          <a:prstGeom prst="rect">
+            <a:avLst/>
+          </a:prstGeom>
+          <a:noFill/>
+        </p:spPr>
+        <p:txBody>
+          <a:bodyPr wrap="square" rtlCol="0">
+            <a:noAutofit/>
+          </a:bodyPr>
+          <a:p>
+            <a:pPr marL="342900" indent="-342900">
+              <a:lnSpc>
+                <a:spcPct val="150000"/>
+              </a:lnSpc>
+              <a:buFont typeface="Wingdings" panose="05000000000000000000" charset="0"/>
+              <a:buChar char="Ø"/>
+            </a:pPr>
+            <a:r>
+              <a:rPr lang="zh-CN" altLang="en-US" sz="1600"/>
+              <a:t>需求确定:先确定使用对象，随后分析他们会用本系统做什么，使用本系统的步骤是什么，有哪些类可以支撑本系统，有哪些不同的提示会反馈给用户。</a:t>
+            </a:r>
+            <a:endParaRPr lang="zh-CN" altLang="en-US" sz="1600"/>
+          </a:p>
+          <a:p>
+            <a:pPr marL="342900" indent="-342900">
+              <a:lnSpc>
+                <a:spcPct val="150000"/>
+              </a:lnSpc>
+              <a:buFont typeface="Wingdings" panose="05000000000000000000" charset="0"/>
+              <a:buChar char="Ø"/>
+            </a:pPr>
+            <a:r>
+              <a:rPr lang="zh-CN" altLang="en-US" sz="1600"/>
+              <a:t>数据库建表:根据需求,建表，明确字段，根据数据库确定实体类。</a:t>
+            </a:r>
+            <a:endParaRPr lang="zh-CN" altLang="en-US" sz="1600"/>
+          </a:p>
+          <a:p>
+            <a:pPr marL="342900" indent="-342900">
+              <a:lnSpc>
+                <a:spcPct val="150000"/>
+              </a:lnSpc>
+              <a:buFont typeface="Wingdings" panose="05000000000000000000" charset="0"/>
+              <a:buChar char="Ø"/>
+            </a:pPr>
+            <a:r>
+              <a:rPr lang="zh-CN" altLang="en-US" sz="1600"/>
+              <a:t>接口开发:根据需求分析，运用相关接口。</a:t>
+            </a:r>
+            <a:endParaRPr lang="zh-CN" altLang="en-US" sz="1600"/>
+          </a:p>
+          <a:p>
+            <a:pPr marL="342900" indent="-342900">
+              <a:lnSpc>
+                <a:spcPct val="150000"/>
+              </a:lnSpc>
+              <a:buFont typeface="Wingdings" panose="05000000000000000000" charset="0"/>
+              <a:buChar char="Ø"/>
+            </a:pPr>
+            <a:r>
+              <a:rPr lang="zh-CN" altLang="en-US" sz="1600"/>
+              <a:t>前端页面设计:设计系统的界面风格，完成前端展示。</a:t>
+            </a:r>
+            <a:endParaRPr lang="zh-CN" altLang="en-US" sz="1600"/>
+          </a:p>
+          <a:p>
+            <a:pPr marL="342900" indent="-342900">
+              <a:lnSpc>
+                <a:spcPct val="150000"/>
+              </a:lnSpc>
+              <a:buFont typeface="Wingdings" panose="05000000000000000000" charset="0"/>
+              <a:buChar char="Ø"/>
+            </a:pPr>
+            <a:r>
+              <a:rPr lang="zh-CN" altLang="en-US" sz="1600"/>
+              <a:t>文档撰写:根据整个系统的设计过程,完成文档的撰写。</a:t>
+            </a:r>
+            <a:endParaRPr lang="zh-CN" altLang="en-US" sz="1600"/>
+          </a:p>
+          <a:p>
+            <a:pPr marL="342900" indent="-342900">
+              <a:lnSpc>
+                <a:spcPct val="150000"/>
+              </a:lnSpc>
+              <a:buFont typeface="Wingdings" panose="05000000000000000000" charset="0"/>
+              <a:buChar char="Ø"/>
+            </a:pPr>
+            <a:r>
+              <a:rPr lang="zh-CN" altLang="en-US" sz="1600">
+                <a:sym typeface="+mn-ea"/>
+              </a:rPr>
+              <a:t>测试:运用黑白盒测试对系统的稳定性以及功能进行测试。</a:t>
+            </a:r>
+            <a:endParaRPr lang="zh-CN" altLang="en-US" sz="1600"/>
+          </a:p>
+        </p:txBody>
+      </p:sp>
+      <p:sp>
+        <p:nvSpPr>
+          <p:cNvPr id="8" name="文本框 7"/>
+          <p:cNvSpPr txBox="1"/>
+          <p:nvPr/>
+        </p:nvSpPr>
+        <p:spPr>
+          <a:xfrm>
+            <a:off x="961390" y="1628775"/>
+            <a:ext cx="8334375" cy="445770"/>
+          </a:xfrm>
+          <a:prstGeom prst="rect">
+            <a:avLst/>
+          </a:prstGeom>
+          <a:noFill/>
+        </p:spPr>
+        <p:txBody>
+          <a:bodyPr wrap="square" rtlCol="0">
+            <a:noAutofit/>
+          </a:bodyPr>
+          <a:p>
+            <a:r>
+              <a:rPr lang="zh-CN" altLang="en-US" b="1">
+                <a:sym typeface="+mn-ea"/>
+              </a:rPr>
+              <a:t>需求确定-框架设计---数据库建表-接口开发---前端页面设计---测试--文档撰写</a:t>
+            </a:r>
+            <a:endParaRPr lang="zh-CN" altLang="en-US" b="1"/>
+          </a:p>
+          <a:p>
+            <a:endParaRPr lang="zh-CN" altLang="en-US" b="1"/>
+          </a:p>
+        </p:txBody>
+      </p:sp>
+    </p:spTree>
+  </p:cSld>
+  <p:clrMapOvr>
+    <a:masterClrMapping/>
+  </p:clrMapOvr>
+  <mc:AlternateContent xmlns:mc="http://schemas.openxmlformats.org/markup-compatibility/2006">
+    <mc:Choice xmlns:p14="http://schemas.microsoft.com/office/powerpoint/2010/main" Requires="p14">
+      <p:transition p14:dur="10"/>
+    </mc:Choice>
+    <mc:Fallback>
+      <p:transition/>
+    </mc:Fallback>
+  </mc:AlternateContent>
+</p:sld>
+</file>
+
+<file path=ppt/slides/slide14.xml><?xml version="1.0" encoding="utf-8"?>
 <p:sld xmlns:a="http://schemas.openxmlformats.org/drawingml/2006/main" xmlns:r="http://schemas.openxmlformats.org/officeDocument/2006/relationships" xmlns:p="http://schemas.openxmlformats.org/presentationml/2006/main">
   <p:cSld>
     <p:spTree>
@@ -12461,7 +12722,11 @@
           <a:p>
             <a:r>
               <a:rPr lang="zh-CN" altLang="en-US"/>
-              <a:t>系统的功能模块如下：</a:t>
+              <a:t>系统</a:t>
+            </a:r>
+            <a:r>
+              <a:rPr lang="zh-CN" altLang="en-US"/>
+              <a:t>前台的功能模块如下：</a:t>
             </a:r>
             <a:endParaRPr lang="zh-CN" altLang="en-US"/>
           </a:p>
@@ -12469,22 +12734,26 @@
       </p:sp>
       <p:pic>
         <p:nvPicPr>
-          <p:cNvPr id="7" name="图片 6"/>
+          <p:cNvPr id="3" name="图片 2"/>
           <p:cNvPicPr>
             <a:picLocks noChangeAspect="1"/>
           </p:cNvPicPr>
-          <p:nvPr/>
+          <p:nvPr>
+            <p:custDataLst>
+              <p:tags r:id="rId1"/>
+            </p:custDataLst>
+          </p:nvPr>
         </p:nvPicPr>
         <p:blipFill>
-          <a:blip r:embed="rId1"/>
+          <a:blip r:embed="rId2"/>
           <a:stretch>
             <a:fillRect/>
           </a:stretch>
         </p:blipFill>
         <p:spPr>
           <a:xfrm>
-            <a:off x="1030605" y="2004060"/>
-            <a:ext cx="10071735" cy="4496435"/>
+            <a:off x="3295650" y="2242820"/>
+            <a:ext cx="5704840" cy="4220210"/>
           </a:xfrm>
           <a:prstGeom prst="rect">
             <a:avLst/>
@@ -12612,9 +12881,42 @@
           </a:fontRef>
         </p:style>
       </p:cxnSp>
+      <p:sp>
+        <p:nvSpPr>
+          <p:cNvPr id="2" name="文本框 1"/>
+          <p:cNvSpPr txBox="1"/>
+          <p:nvPr/>
+        </p:nvSpPr>
+        <p:spPr>
+          <a:xfrm>
+            <a:off x="904875" y="1362710"/>
+            <a:ext cx="4064000" cy="368300"/>
+          </a:xfrm>
+          <a:prstGeom prst="rect">
+            <a:avLst/>
+          </a:prstGeom>
+          <a:noFill/>
+        </p:spPr>
+        <p:txBody>
+          <a:bodyPr wrap="square" rtlCol="0">
+            <a:spAutoFit/>
+          </a:bodyPr>
+          <a:p>
+            <a:r>
+              <a:rPr lang="zh-CN" altLang="en-US"/>
+              <a:t>系统</a:t>
+            </a:r>
+            <a:r>
+              <a:rPr lang="zh-CN" altLang="en-US"/>
+              <a:t>后台的功能模块如下：</a:t>
+            </a:r>
+            <a:endParaRPr lang="zh-CN" altLang="en-US"/>
+          </a:p>
+        </p:txBody>
+      </p:sp>
       <p:pic>
         <p:nvPicPr>
-          <p:cNvPr id="3" name="图片 2"/>
+          <p:cNvPr id="5" name="图片 4"/>
           <p:cNvPicPr>
             <a:picLocks noChangeAspect="1"/>
           </p:cNvPicPr>
@@ -12632,47 +12934,14 @@
         </p:blipFill>
         <p:spPr>
           <a:xfrm>
-            <a:off x="3132455" y="1579245"/>
-            <a:ext cx="6023610" cy="5003165"/>
+            <a:off x="3524250" y="1731010"/>
+            <a:ext cx="5143500" cy="4810125"/>
           </a:xfrm>
           <a:prstGeom prst="rect">
             <a:avLst/>
           </a:prstGeom>
         </p:spPr>
       </p:pic>
-      <p:sp>
-        <p:nvSpPr>
-          <p:cNvPr id="5" name="文本框 4"/>
-          <p:cNvSpPr txBox="1"/>
-          <p:nvPr/>
-        </p:nvSpPr>
-        <p:spPr>
-          <a:xfrm>
-            <a:off x="904875" y="1318895"/>
-            <a:ext cx="4064000" cy="368300"/>
-          </a:xfrm>
-          <a:prstGeom prst="rect">
-            <a:avLst/>
-          </a:prstGeom>
-          <a:noFill/>
-        </p:spPr>
-        <p:txBody>
-          <a:bodyPr wrap="square" rtlCol="0">
-            <a:spAutoFit/>
-          </a:bodyPr>
-          <a:p>
-            <a:r>
-              <a:rPr lang="zh-CN" altLang="en-US"/>
-              <a:t>系统架构图</a:t>
-            </a:r>
-            <a:r>
-              <a:rPr lang="zh-CN" altLang="en-US"/>
-              <a:t>如下：</a:t>
-            </a:r>
-            <a:endParaRPr lang="zh-CN" altLang="en-US"/>
-          </a:p>
-        </p:txBody>
-      </p:sp>
     </p:spTree>
   </p:cSld>
   <p:clrMapOvr>
@@ -12702,6 +12971,18 @@
 </file>
 
 <file path=ppt/tags/tag11.xml><?xml version="1.0" encoding="utf-8"?>
+<p:tagLst xmlns:p="http://schemas.openxmlformats.org/presentationml/2006/main">
+  <p:tag name="KSO_WM_BEAUTIFY_FLAG" val=""/>
+</p:tagLst>
+</file>
+
+<file path=ppt/tags/tag12.xml><?xml version="1.0" encoding="utf-8"?>
+<p:tagLst xmlns:p="http://schemas.openxmlformats.org/presentationml/2006/main">
+  <p:tag name="KSO_WM_BEAUTIFY_FLAG" val=""/>
+</p:tagLst>
+</file>
+
+<file path=ppt/tags/tag13.xml><?xml version="1.0" encoding="utf-8"?>
 <p:tagLst xmlns:p="http://schemas.openxmlformats.org/presentationml/2006/main">
   <p:tag name="ISPRING_PRESENTATION_TITLE" val="蓝色简洁毕业答辩PPT模板"/>
   <p:tag name="KSO_WPP_MARK_KEY" val="26229013-f5a3-4f35-a69b-edca0c6b0b32"/>
